--- a/Final presentation.pptx
+++ b/Final presentation.pptx
@@ -4172,11 +4172,7 @@
         <a:p>
           <a:r>
             <a:rPr lang="en-US" sz="2800" b="1" dirty="0" smtClean="0"/>
-            <a:t>Process </a:t>
-          </a:r>
-          <a:r>
-            <a:rPr lang="en-US" sz="2800" b="1" dirty="0" smtClean="0"/>
-            <a:t>latency</a:t>
+            <a:t>Process latency</a:t>
           </a:r>
           <a:endParaRPr lang="en-US" sz="2800" b="1" dirty="0"/>
         </a:p>
@@ -4287,15 +4283,7 @@
         <a:p>
           <a:r>
             <a:rPr lang="en-US" dirty="0" smtClean="0"/>
-            <a:t>High payment processing fees that includes a share for issuing bank, a share for card scheme and a share for </a:t>
-          </a:r>
-          <a:r>
-            <a:rPr lang="en-US" dirty="0" smtClean="0"/>
-            <a:t>PISP</a:t>
-          </a:r>
-          <a:r>
-            <a:rPr lang="en-US" dirty="0" smtClean="0"/>
-            <a:t>.</a:t>
+            <a:t>High payment processing fees that includes a share for issuing bank, a share for card scheme and a share for PISP.</a:t>
           </a:r>
           <a:endParaRPr lang="en-US" dirty="0"/>
         </a:p>
@@ -6356,11 +6344,7 @@
           </a:pPr>
           <a:r>
             <a:rPr lang="en-US" sz="2800" b="1" kern="1200" dirty="0" smtClean="0"/>
-            <a:t>Process </a:t>
-          </a:r>
-          <a:r>
-            <a:rPr lang="en-US" sz="2800" b="1" kern="1200" dirty="0" smtClean="0"/>
-            <a:t>latency</a:t>
+            <a:t>Process latency</a:t>
           </a:r>
           <a:endParaRPr lang="en-US" sz="2800" b="1" kern="1200" dirty="0"/>
         </a:p>
@@ -6440,15 +6424,7 @@
           </a:pPr>
           <a:r>
             <a:rPr lang="en-US" sz="1600" kern="1200" dirty="0" smtClean="0"/>
-            <a:t>High payment processing fees that includes a share for issuing bank, a share for card scheme and a share for </a:t>
-          </a:r>
-          <a:r>
-            <a:rPr lang="en-US" sz="1600" kern="1200" dirty="0" smtClean="0"/>
-            <a:t>PISP</a:t>
-          </a:r>
-          <a:r>
-            <a:rPr lang="en-US" sz="1600" kern="1200" dirty="0" smtClean="0"/>
-            <a:t>.</a:t>
+            <a:t>High payment processing fees that includes a share for issuing bank, a share for card scheme and a share for PISP.</a:t>
           </a:r>
           <a:endParaRPr lang="en-US" sz="1600" kern="1200" dirty="0"/>
         </a:p>
@@ -13857,7 +13833,7 @@
           <a:p>
             <a:fld id="{94B6296C-3B6C-440B-9577-6B47ED23061F}" type="datetimeFigureOut">
               <a:rPr lang="nl-NL" smtClean="0"/>
-              <a:t>10-3-2020</a:t>
+              <a:t>13-3-2020</a:t>
             </a:fld>
             <a:endParaRPr lang="nl-NL"/>
           </a:p>
@@ -14816,7 +14792,7 @@
                 <a:ea typeface="+mn-ea"/>
                 <a:cs typeface="+mn-cs"/>
               </a:rPr>
-              <a:t>Adyen: </a:t>
+              <a:t>PSP: </a:t>
             </a:r>
             <a:r>
               <a:rPr lang="en-US" sz="1200" b="1" kern="1200" dirty="0" smtClean="0">
@@ -14840,8 +14816,11 @@
                 <a:ea typeface="+mn-ea"/>
                 <a:cs typeface="+mn-cs"/>
               </a:rPr>
-              <a:t> euros processing fees last month. </a:t>
-            </a:r>
+              <a:t> euros processing fees last month. (Rate variable per card product)</a:t>
+            </a:r>
+          </a:p>
+          <a:p>
+            <a:pPr lvl="0"/>
             <a:r>
               <a:rPr lang="en-US" sz="1200" kern="1200" dirty="0" smtClean="0">
                 <a:solidFill>
@@ -14852,43 +14831,7 @@
                 <a:ea typeface="+mn-ea"/>
                 <a:cs typeface="+mn-cs"/>
               </a:rPr>
-              <a:t>(Rate variable per card product)</a:t>
-            </a:r>
-            <a:endParaRPr lang="en-US" sz="1200" kern="1200" dirty="0" smtClean="0">
-              <a:solidFill>
-                <a:schemeClr val="tx1"/>
-              </a:solidFill>
-              <a:effectLst/>
-              <a:latin typeface="+mn-lt"/>
-              <a:ea typeface="+mn-ea"/>
-              <a:cs typeface="+mn-cs"/>
-            </a:endParaRPr>
-          </a:p>
-          <a:p>
-            <a:pPr lvl="0"/>
-            <a:r>
-              <a:rPr lang="en-US" sz="1200" kern="1200" dirty="0" smtClean="0">
-                <a:solidFill>
-                  <a:schemeClr val="tx1"/>
-                </a:solidFill>
-                <a:effectLst/>
-                <a:latin typeface="+mn-lt"/>
-                <a:ea typeface="+mn-ea"/>
-                <a:cs typeface="+mn-cs"/>
-              </a:rPr>
-              <a:t>Saving </a:t>
-            </a:r>
-            <a:r>
-              <a:rPr lang="en-US" sz="1200" kern="1200" dirty="0" smtClean="0">
-                <a:solidFill>
-                  <a:schemeClr val="tx1"/>
-                </a:solidFill>
-                <a:effectLst/>
-                <a:latin typeface="+mn-lt"/>
-                <a:ea typeface="+mn-ea"/>
-                <a:cs typeface="+mn-cs"/>
-              </a:rPr>
-              <a:t>of around </a:t>
+              <a:t>Saving of around </a:t>
             </a:r>
             <a:r>
               <a:rPr lang="en-US" sz="1200" b="1" kern="1200" dirty="0" smtClean="0">
@@ -15744,7 +15687,6 @@
               <a:rPr lang="nl-NL" b="1" baseline="0" dirty="0" smtClean="0"/>
               <a:t>)</a:t>
             </a:r>
-            <a:endParaRPr lang="nl-NL" b="1" baseline="0" dirty="0" smtClean="0"/>
           </a:p>
           <a:p>
             <a:pPr marL="0" marR="0" lvl="0" indent="0" algn="l" defTabSz="914400" rtl="0" eaLnBrk="1" fontAlgn="auto" latinLnBrk="0" hangingPunct="1">
@@ -15766,13 +15708,8 @@
             </a:pPr>
             <a:r>
               <a:rPr lang="en-US" dirty="0" smtClean="0"/>
-              <a:t>Median transaction amount for successful transaction = 126.43 </a:t>
-            </a:r>
-            <a:r>
-              <a:rPr lang="en-US" dirty="0" smtClean="0"/>
-              <a:t>Euros</a:t>
-            </a:r>
-            <a:endParaRPr lang="en-US" dirty="0" smtClean="0"/>
+              <a:t>Median transaction amount for successful transaction = 126.43 Euros</a:t>
+            </a:r>
           </a:p>
           <a:p>
             <a:pPr marL="0" marR="0" lvl="0" indent="0" algn="l" defTabSz="914400" rtl="0" eaLnBrk="1" fontAlgn="auto" latinLnBrk="0" hangingPunct="1">
@@ -15794,15 +15731,7 @@
             </a:pPr>
             <a:r>
               <a:rPr lang="en-US" dirty="0" smtClean="0"/>
-              <a:t>Median transaction amount for failed transaction = 393.4 </a:t>
-            </a:r>
-            <a:r>
-              <a:rPr lang="en-US" dirty="0" smtClean="0"/>
-              <a:t>Euros (211</a:t>
-            </a:r>
-            <a:r>
-              <a:rPr lang="en-US" dirty="0" smtClean="0"/>
-              <a:t>% increase)</a:t>
+              <a:t>Median transaction amount for failed transaction = 393.4 Euros (211% increase)</a:t>
             </a:r>
             <a:endParaRPr lang="nl-NL" baseline="0" dirty="0" smtClean="0"/>
           </a:p>
@@ -16149,11 +16078,7 @@
             </a:r>
             <a:r>
               <a:rPr lang="nl-NL" baseline="0" dirty="0" smtClean="0"/>
-              <a:t> but used = </a:t>
-            </a:r>
-            <a:r>
-              <a:rPr lang="nl-NL" baseline="0" dirty="0" smtClean="0"/>
-              <a:t>4266</a:t>
+              <a:t> but used = 4266</a:t>
             </a:r>
           </a:p>
           <a:p>
@@ -17107,11 +17032,7 @@
             </a:r>
             <a:r>
               <a:rPr lang="nl-NL" baseline="0" dirty="0" smtClean="0"/>
-              <a:t> </a:t>
-            </a:r>
-            <a:r>
-              <a:rPr lang="nl-NL" baseline="0" dirty="0" smtClean="0"/>
-              <a:t>= 1404</a:t>
+              <a:t> = 1404</a:t>
             </a:r>
           </a:p>
         </p:txBody>
@@ -17711,7 +17632,7 @@
           <a:p>
             <a:fld id="{19A45034-FD8A-4DDB-B0E0-C170850ED750}" type="datetimeFigureOut">
               <a:rPr lang="nl-NL" smtClean="0"/>
-              <a:t>10-3-2020</a:t>
+              <a:t>13-3-2020</a:t>
             </a:fld>
             <a:endParaRPr lang="nl-NL"/>
           </a:p>
@@ -18147,7 +18068,7 @@
           <a:p>
             <a:fld id="{19A45034-FD8A-4DDB-B0E0-C170850ED750}" type="datetimeFigureOut">
               <a:rPr lang="nl-NL" smtClean="0"/>
-              <a:t>10-3-2020</a:t>
+              <a:t>13-3-2020</a:t>
             </a:fld>
             <a:endParaRPr lang="nl-NL"/>
           </a:p>
@@ -18397,7 +18318,7 @@
           <a:p>
             <a:fld id="{19A45034-FD8A-4DDB-B0E0-C170850ED750}" type="datetimeFigureOut">
               <a:rPr lang="nl-NL" smtClean="0"/>
-              <a:t>10-3-2020</a:t>
+              <a:t>13-3-2020</a:t>
             </a:fld>
             <a:endParaRPr lang="nl-NL"/>
           </a:p>
@@ -18705,7 +18626,7 @@
           <a:p>
             <a:fld id="{19A45034-FD8A-4DDB-B0E0-C170850ED750}" type="datetimeFigureOut">
               <a:rPr lang="nl-NL" smtClean="0"/>
-              <a:t>10-3-2020</a:t>
+              <a:t>13-3-2020</a:t>
             </a:fld>
             <a:endParaRPr lang="nl-NL"/>
           </a:p>
@@ -19023,7 +18944,7 @@
           <a:p>
             <a:fld id="{19A45034-FD8A-4DDB-B0E0-C170850ED750}" type="datetimeFigureOut">
               <a:rPr lang="nl-NL" smtClean="0"/>
-              <a:t>10-3-2020</a:t>
+              <a:t>13-3-2020</a:t>
             </a:fld>
             <a:endParaRPr lang="nl-NL"/>
           </a:p>
@@ -19325,7 +19246,7 @@
           <a:p>
             <a:fld id="{19A45034-FD8A-4DDB-B0E0-C170850ED750}" type="datetimeFigureOut">
               <a:rPr lang="nl-NL" smtClean="0"/>
-              <a:t>10-3-2020</a:t>
+              <a:t>13-3-2020</a:t>
             </a:fld>
             <a:endParaRPr lang="nl-NL"/>
           </a:p>
@@ -19692,7 +19613,7 @@
           <a:p>
             <a:fld id="{19A45034-FD8A-4DDB-B0E0-C170850ED750}" type="datetimeFigureOut">
               <a:rPr lang="nl-NL" smtClean="0"/>
-              <a:t>10-3-2020</a:t>
+              <a:t>13-3-2020</a:t>
             </a:fld>
             <a:endParaRPr lang="nl-NL"/>
           </a:p>
@@ -19866,7 +19787,7 @@
           <a:p>
             <a:fld id="{19A45034-FD8A-4DDB-B0E0-C170850ED750}" type="datetimeFigureOut">
               <a:rPr lang="nl-NL" smtClean="0"/>
-              <a:t>10-3-2020</a:t>
+              <a:t>13-3-2020</a:t>
             </a:fld>
             <a:endParaRPr lang="nl-NL"/>
           </a:p>
@@ -20046,7 +19967,7 @@
           <a:p>
             <a:fld id="{19A45034-FD8A-4DDB-B0E0-C170850ED750}" type="datetimeFigureOut">
               <a:rPr lang="nl-NL" smtClean="0"/>
-              <a:t>10-3-2020</a:t>
+              <a:t>13-3-2020</a:t>
             </a:fld>
             <a:endParaRPr lang="nl-NL"/>
           </a:p>
@@ -20216,7 +20137,7 @@
           <a:p>
             <a:fld id="{19A45034-FD8A-4DDB-B0E0-C170850ED750}" type="datetimeFigureOut">
               <a:rPr lang="nl-NL" smtClean="0"/>
-              <a:t>10-3-2020</a:t>
+              <a:t>13-3-2020</a:t>
             </a:fld>
             <a:endParaRPr lang="nl-NL"/>
           </a:p>
@@ -20466,7 +20387,7 @@
           <a:p>
             <a:fld id="{19A45034-FD8A-4DDB-B0E0-C170850ED750}" type="datetimeFigureOut">
               <a:rPr lang="nl-NL" smtClean="0"/>
-              <a:t>10-3-2020</a:t>
+              <a:t>13-3-2020</a:t>
             </a:fld>
             <a:endParaRPr lang="nl-NL"/>
           </a:p>
@@ -20702,7 +20623,7 @@
           <a:p>
             <a:fld id="{19A45034-FD8A-4DDB-B0E0-C170850ED750}" type="datetimeFigureOut">
               <a:rPr lang="nl-NL" smtClean="0"/>
-              <a:t>10-3-2020</a:t>
+              <a:t>13-3-2020</a:t>
             </a:fld>
             <a:endParaRPr lang="nl-NL"/>
           </a:p>
@@ -21084,7 +21005,7 @@
           <a:p>
             <a:fld id="{19A45034-FD8A-4DDB-B0E0-C170850ED750}" type="datetimeFigureOut">
               <a:rPr lang="nl-NL" smtClean="0"/>
-              <a:t>10-3-2020</a:t>
+              <a:t>13-3-2020</a:t>
             </a:fld>
             <a:endParaRPr lang="nl-NL"/>
           </a:p>
@@ -21202,7 +21123,7 @@
           <a:p>
             <a:fld id="{19A45034-FD8A-4DDB-B0E0-C170850ED750}" type="datetimeFigureOut">
               <a:rPr lang="nl-NL" smtClean="0"/>
-              <a:t>10-3-2020</a:t>
+              <a:t>13-3-2020</a:t>
             </a:fld>
             <a:endParaRPr lang="nl-NL"/>
           </a:p>
@@ -21297,7 +21218,7 @@
           <a:p>
             <a:fld id="{19A45034-FD8A-4DDB-B0E0-C170850ED750}" type="datetimeFigureOut">
               <a:rPr lang="nl-NL" smtClean="0"/>
-              <a:t>10-3-2020</a:t>
+              <a:t>13-3-2020</a:t>
             </a:fld>
             <a:endParaRPr lang="nl-NL"/>
           </a:p>
@@ -21552,7 +21473,7 @@
           <a:p>
             <a:fld id="{19A45034-FD8A-4DDB-B0E0-C170850ED750}" type="datetimeFigureOut">
               <a:rPr lang="nl-NL" smtClean="0"/>
-              <a:t>10-3-2020</a:t>
+              <a:t>13-3-2020</a:t>
             </a:fld>
             <a:endParaRPr lang="nl-NL"/>
           </a:p>
@@ -21835,7 +21756,7 @@
           <a:p>
             <a:fld id="{19A45034-FD8A-4DDB-B0E0-C170850ED750}" type="datetimeFigureOut">
               <a:rPr lang="nl-NL" smtClean="0"/>
-              <a:t>10-3-2020</a:t>
+              <a:t>13-3-2020</a:t>
             </a:fld>
             <a:endParaRPr lang="nl-NL"/>
           </a:p>
@@ -22241,7 +22162,7 @@
           <a:p>
             <a:fld id="{19A45034-FD8A-4DDB-B0E0-C170850ED750}" type="datetimeFigureOut">
               <a:rPr lang="nl-NL" smtClean="0"/>
-              <a:t>10-3-2020</a:t>
+              <a:t>13-3-2020</a:t>
             </a:fld>
             <a:endParaRPr lang="nl-NL"/>
           </a:p>
@@ -22805,7 +22726,7 @@
                   <a:schemeClr val="tx1"/>
                 </a:solidFill>
               </a:rPr>
-              <a:t>ADYEN</a:t>
+              <a:t>PSP</a:t>
             </a:r>
             <a:endParaRPr lang="nl-NL" b="1" dirty="0" smtClean="0">
               <a:solidFill>
@@ -23508,7 +23429,11 @@
           <a:p>
             <a:r>
               <a:rPr lang="en-US" dirty="0" smtClean="0"/>
-              <a:t>Adyen e-wallet is a digital payment instrument and a payment method where </a:t>
+              <a:t>PSP </a:t>
+            </a:r>
+            <a:r>
+              <a:rPr lang="en-US" dirty="0" smtClean="0"/>
+              <a:t>e-wallet is a digital payment instrument and a payment method where </a:t>
             </a:r>
           </a:p>
           <a:p>
@@ -23623,7 +23548,7 @@
             </a:r>
             <a:r>
               <a:rPr lang="en-US" b="1" dirty="0" smtClean="0"/>
-              <a:t>Adyen?</a:t>
+              <a:t>PSP?</a:t>
             </a:r>
             <a:endParaRPr lang="en-US" b="1" dirty="0"/>
           </a:p>
@@ -23764,7 +23689,15 @@
           <a:p>
             <a:r>
               <a:rPr lang="en-US" b="1" dirty="0" smtClean="0"/>
-              <a:t>Adyen e-wallet</a:t>
+              <a:t>PSP</a:t>
+            </a:r>
+            <a:r>
+              <a:rPr lang="en-US" b="1" dirty="0" smtClean="0"/>
+              <a:t> </a:t>
+            </a:r>
+            <a:r>
+              <a:rPr lang="en-US" b="1" dirty="0" smtClean="0"/>
+              <a:t>e-wallet</a:t>
             </a:r>
             <a:endParaRPr lang="en-US" b="1" dirty="0"/>
           </a:p>
@@ -23927,13 +23860,8 @@
           <a:p>
             <a:r>
               <a:rPr lang="en-US" dirty="0" smtClean="0"/>
-              <a:t>Applying machine learning on historical payment data to predict incoming payment’s clearing </a:t>
-            </a:r>
-            <a:r>
-              <a:rPr lang="en-US" dirty="0" smtClean="0"/>
-              <a:t>status. (Concen-3)</a:t>
-            </a:r>
-            <a:endParaRPr lang="en-US" dirty="0" smtClean="0"/>
+              <a:t>Applying machine learning on historical payment data to predict incoming payment’s clearing status. (Concen-3)</a:t>
+            </a:r>
           </a:p>
         </p:txBody>
       </p:sp>
@@ -24184,7 +24112,15 @@
             </a:pPr>
             <a:r>
               <a:rPr lang="en-US" sz="2000" b="1" dirty="0" smtClean="0"/>
-              <a:t>Adyen e-wallet: (pilot version in EU)</a:t>
+              <a:t>PSP</a:t>
+            </a:r>
+            <a:r>
+              <a:rPr lang="en-US" sz="2000" b="1" dirty="0" smtClean="0"/>
+              <a:t> </a:t>
+            </a:r>
+            <a:r>
+              <a:rPr lang="en-US" sz="2000" b="1" dirty="0" smtClean="0"/>
+              <a:t>e-wallet: (pilot version in EU)</a:t>
             </a:r>
           </a:p>
           <a:p>
@@ -24260,7 +24196,19 @@
             <a:pPr lvl="1"/>
             <a:r>
               <a:rPr lang="en-US" dirty="0" smtClean="0"/>
-              <a:t>Total processed amount by Adyen in 2018 </a:t>
+              <a:t>Total processed amount by </a:t>
+            </a:r>
+            <a:r>
+              <a:rPr lang="en-US" dirty="0" smtClean="0"/>
+              <a:t>PSP</a:t>
+            </a:r>
+            <a:r>
+              <a:rPr lang="en-US" dirty="0" smtClean="0"/>
+              <a:t> </a:t>
+            </a:r>
+            <a:r>
+              <a:rPr lang="en-US" dirty="0" smtClean="0"/>
+              <a:t>in 2018 </a:t>
             </a:r>
             <a:r>
               <a:rPr lang="en-US" dirty="0"/>
@@ -24291,7 +24239,19 @@
             <a:pPr lvl="1"/>
             <a:r>
               <a:rPr lang="en-US" dirty="0" smtClean="0"/>
-              <a:t>Percentage of unaccounted money turned out as loss to Adyen (C) </a:t>
+              <a:t>Percentage of unaccounted money turned out as loss to </a:t>
+            </a:r>
+            <a:r>
+              <a:rPr lang="en-US" dirty="0" smtClean="0"/>
+              <a:t>PSP</a:t>
+            </a:r>
+            <a:r>
+              <a:rPr lang="en-US" dirty="0" smtClean="0"/>
+              <a:t> </a:t>
+            </a:r>
+            <a:r>
+              <a:rPr lang="en-US" dirty="0" smtClean="0"/>
+              <a:t>(C) </a:t>
             </a:r>
             <a:r>
               <a:rPr lang="en-US" dirty="0"/>
@@ -24825,7 +24785,15 @@
             <a:pPr lvl="1" algn="ctr"/>
             <a:r>
               <a:rPr lang="en-US" sz="2000" b="1" dirty="0" smtClean="0"/>
-              <a:t>Adyen - Custom processing fee rate per card scheme and even per card product</a:t>
+              <a:t>PSP</a:t>
+            </a:r>
+            <a:r>
+              <a:rPr lang="en-US" sz="2000" b="1" dirty="0" smtClean="0"/>
+              <a:t> </a:t>
+            </a:r>
+            <a:r>
+              <a:rPr lang="en-US" sz="2000" b="1" dirty="0" smtClean="0"/>
+              <a:t>- Custom processing fee rate per card scheme and even per card product</a:t>
             </a:r>
             <a:endParaRPr lang="en-US" sz="2000" b="1" dirty="0"/>
           </a:p>
@@ -26702,7 +26670,7 @@
       </p:pic>
       <p:pic>
         <p:nvPicPr>
-          <p:cNvPr id="8" name="Picture 7"/>
+          <p:cNvPr id="11" name="Picture 10"/>
           <p:cNvPicPr>
             <a:picLocks noChangeAspect="1"/>
           </p:cNvPicPr>
@@ -26710,43 +26678,6 @@
         </p:nvPicPr>
         <p:blipFill>
           <a:blip r:embed="rId3"/>
-          <a:stretch>
-            <a:fillRect/>
-          </a:stretch>
-        </p:blipFill>
-        <p:spPr>
-          <a:xfrm>
-            <a:off x="8622886" y="1624509"/>
-            <a:ext cx="1498059" cy="1333354"/>
-          </a:xfrm>
-          <a:prstGeom prst="roundRect">
-            <a:avLst>
-              <a:gd name="adj" fmla="val 8594"/>
-            </a:avLst>
-          </a:prstGeom>
-          <a:solidFill>
-            <a:srgbClr val="FFFFFF">
-              <a:shade val="85000"/>
-            </a:srgbClr>
-          </a:solidFill>
-          <a:ln>
-            <a:noFill/>
-          </a:ln>
-          <a:effectLst>
-            <a:reflection blurRad="12700" stA="38000" endPos="28000" dist="5000" dir="5400000" sy="-100000" algn="bl" rotWithShape="0"/>
-          </a:effectLst>
-        </p:spPr>
-      </p:pic>
-      <p:pic>
-        <p:nvPicPr>
-          <p:cNvPr id="11" name="Picture 10"/>
-          <p:cNvPicPr>
-            <a:picLocks noChangeAspect="1"/>
-          </p:cNvPicPr>
-          <p:nvPr/>
-        </p:nvPicPr>
-        <p:blipFill>
-          <a:blip r:embed="rId4"/>
           <a:stretch>
             <a:fillRect/>
           </a:stretch>
@@ -27033,11 +26964,7 @@
           <a:p>
             <a:r>
               <a:rPr lang="en-US" sz="1400" dirty="0" smtClean="0"/>
-              <a:t>Submit </a:t>
-            </a:r>
-            <a:r>
-              <a:rPr lang="en-US" sz="1400" dirty="0" smtClean="0"/>
-              <a:t>payment order</a:t>
+              <a:t>Submit payment order</a:t>
             </a:r>
             <a:endParaRPr lang="en-US" sz="1400" dirty="0"/>
           </a:p>
@@ -27519,11 +27446,7 @@
           <a:p>
             <a:r>
               <a:rPr lang="en-US" b="1" dirty="0" smtClean="0"/>
-              <a:t>Overview – payment </a:t>
-            </a:r>
-            <a:r>
-              <a:rPr lang="en-US" b="1" dirty="0" smtClean="0"/>
-              <a:t>process (Taxi)</a:t>
+              <a:t>Overview – payment process (Taxi)</a:t>
             </a:r>
             <a:endParaRPr lang="en-US" b="1" dirty="0"/>
           </a:p>
@@ -27538,7 +27461,7 @@
           <p:nvPr/>
         </p:nvPicPr>
         <p:blipFill>
-          <a:blip r:embed="rId5"/>
+          <a:blip r:embed="rId4"/>
           <a:stretch>
             <a:fillRect/>
           </a:stretch>
@@ -27575,7 +27498,7 @@
           <p:nvPr/>
         </p:nvPicPr>
         <p:blipFill>
-          <a:blip r:embed="rId6"/>
+          <a:blip r:embed="rId5"/>
           <a:stretch>
             <a:fillRect/>
           </a:stretch>
@@ -27584,6 +27507,43 @@
           <a:xfrm>
             <a:off x="4575217" y="4524480"/>
             <a:ext cx="1504940" cy="1333355"/>
+          </a:xfrm>
+          <a:prstGeom prst="roundRect">
+            <a:avLst>
+              <a:gd name="adj" fmla="val 8594"/>
+            </a:avLst>
+          </a:prstGeom>
+          <a:solidFill>
+            <a:srgbClr val="FFFFFF">
+              <a:shade val="85000"/>
+            </a:srgbClr>
+          </a:solidFill>
+          <a:ln>
+            <a:noFill/>
+          </a:ln>
+          <a:effectLst>
+            <a:reflection blurRad="12700" stA="38000" endPos="28000" dist="5000" dir="5400000" sy="-100000" algn="bl" rotWithShape="0"/>
+          </a:effectLst>
+        </p:spPr>
+      </p:pic>
+      <p:pic>
+        <p:nvPicPr>
+          <p:cNvPr id="2" name="Picture 1"/>
+          <p:cNvPicPr>
+            <a:picLocks noChangeAspect="1"/>
+          </p:cNvPicPr>
+          <p:nvPr/>
+        </p:nvPicPr>
+        <p:blipFill>
+          <a:blip r:embed="rId6"/>
+          <a:stretch>
+            <a:fillRect/>
+          </a:stretch>
+        </p:blipFill>
+        <p:spPr>
+          <a:xfrm>
+            <a:off x="8644343" y="1640871"/>
+            <a:ext cx="1498059" cy="1309055"/>
           </a:xfrm>
           <a:prstGeom prst="roundRect">
             <a:avLst>
@@ -27976,7 +27936,7 @@
                                 </p:cTn>
                               </p:par>
                               <p:par>
-                                <p:cTn id="31" presetID="1" presetClass="entr" presetSubtype="0" fill="hold" nodeType="withEffect">
+                                <p:cTn id="31" presetID="1" presetClass="entr" presetSubtype="0" fill="hold" grpId="0" nodeType="withEffect">
                                   <p:stCondLst>
                                     <p:cond delay="0"/>
                                   </p:stCondLst>
@@ -27984,33 +27944,6 @@
                                     <p:set>
                                       <p:cBhvr>
                                         <p:cTn id="32" dur="1" fill="hold">
-                                          <p:stCondLst>
-                                            <p:cond delay="0"/>
-                                          </p:stCondLst>
-                                        </p:cTn>
-                                        <p:tgtEl>
-                                          <p:spTgt spid="8"/>
-                                        </p:tgtEl>
-                                        <p:attrNameLst>
-                                          <p:attrName>style.visibility</p:attrName>
-                                        </p:attrNameLst>
-                                      </p:cBhvr>
-                                      <p:to>
-                                        <p:strVal val="visible"/>
-                                      </p:to>
-                                    </p:set>
-                                  </p:childTnLst>
-                                </p:cTn>
-                              </p:par>
-                              <p:par>
-                                <p:cTn id="33" presetID="1" presetClass="entr" presetSubtype="0" fill="hold" grpId="0" nodeType="withEffect">
-                                  <p:stCondLst>
-                                    <p:cond delay="0"/>
-                                  </p:stCondLst>
-                                  <p:childTnLst>
-                                    <p:set>
-                                      <p:cBhvr>
-                                        <p:cTn id="34" dur="1" fill="hold">
                                           <p:stCondLst>
                                             <p:cond delay="0"/>
                                           </p:stCondLst>
@@ -28036,26 +27969,26 @@
                     </p:cTn>
                   </p:par>
                   <p:par>
-                    <p:cTn id="35" fill="hold">
+                    <p:cTn id="33" fill="hold">
                       <p:stCondLst>
                         <p:cond delay="indefinite"/>
                       </p:stCondLst>
                       <p:childTnLst>
                         <p:par>
-                          <p:cTn id="36" fill="hold">
+                          <p:cTn id="34" fill="hold">
                             <p:stCondLst>
                               <p:cond delay="0"/>
                             </p:stCondLst>
                             <p:childTnLst>
                               <p:par>
-                                <p:cTn id="37" presetID="1" presetClass="entr" presetSubtype="0" fill="hold" nodeType="clickEffect">
+                                <p:cTn id="35" presetID="1" presetClass="entr" presetSubtype="0" fill="hold" nodeType="clickEffect">
                                   <p:stCondLst>
                                     <p:cond delay="0"/>
                                   </p:stCondLst>
                                   <p:childTnLst>
                                     <p:set>
                                       <p:cBhvr>
-                                        <p:cTn id="38" dur="1" fill="hold">
+                                        <p:cTn id="36" dur="1" fill="hold">
                                           <p:stCondLst>
                                             <p:cond delay="0"/>
                                           </p:stCondLst>
@@ -28075,14 +28008,14 @@
                                 </p:cTn>
                               </p:par>
                               <p:par>
-                                <p:cTn id="39" presetID="1" presetClass="entr" presetSubtype="0" fill="hold" grpId="0" nodeType="withEffect">
+                                <p:cTn id="37" presetID="1" presetClass="entr" presetSubtype="0" fill="hold" grpId="0" nodeType="withEffect">
                                   <p:stCondLst>
                                     <p:cond delay="0"/>
                                   </p:stCondLst>
                                   <p:childTnLst>
                                     <p:set>
                                       <p:cBhvr>
-                                        <p:cTn id="40" dur="1" fill="hold">
+                                        <p:cTn id="38" dur="1" fill="hold">
                                           <p:stCondLst>
                                             <p:cond delay="0"/>
                                           </p:stCondLst>
@@ -28102,14 +28035,14 @@
                                 </p:cTn>
                               </p:par>
                               <p:par>
-                                <p:cTn id="41" presetID="1" presetClass="entr" presetSubtype="0" fill="hold" nodeType="withEffect">
+                                <p:cTn id="39" presetID="1" presetClass="entr" presetSubtype="0" fill="hold" nodeType="withEffect">
                                   <p:stCondLst>
                                     <p:cond delay="0"/>
                                   </p:stCondLst>
                                   <p:childTnLst>
                                     <p:set>
                                       <p:cBhvr>
-                                        <p:cTn id="42" dur="1" fill="hold">
+                                        <p:cTn id="40" dur="1" fill="hold">
                                           <p:stCondLst>
                                             <p:cond delay="0"/>
                                           </p:stCondLst>
@@ -28129,14 +28062,14 @@
                                 </p:cTn>
                               </p:par>
                               <p:par>
-                                <p:cTn id="43" presetID="1" presetClass="entr" presetSubtype="0" fill="hold" grpId="0" nodeType="withEffect">
+                                <p:cTn id="41" presetID="1" presetClass="entr" presetSubtype="0" fill="hold" grpId="0" nodeType="withEffect">
                                   <p:stCondLst>
                                     <p:cond delay="0"/>
                                   </p:stCondLst>
                                   <p:childTnLst>
                                     <p:set>
                                       <p:cBhvr>
-                                        <p:cTn id="44" dur="1" fill="hold">
+                                        <p:cTn id="42" dur="1" fill="hold">
                                           <p:stCondLst>
                                             <p:cond delay="0"/>
                                           </p:stCondLst>
@@ -28156,14 +28089,14 @@
                                 </p:cTn>
                               </p:par>
                               <p:par>
-                                <p:cTn id="45" presetID="1" presetClass="entr" presetSubtype="0" fill="hold" nodeType="withEffect">
+                                <p:cTn id="43" presetID="1" presetClass="entr" presetSubtype="0" fill="hold" nodeType="withEffect">
                                   <p:stCondLst>
                                     <p:cond delay="0"/>
                                   </p:stCondLst>
                                   <p:childTnLst>
                                     <p:set>
                                       <p:cBhvr>
-                                        <p:cTn id="46" dur="1" fill="hold">
+                                        <p:cTn id="44" dur="1" fill="hold">
                                           <p:stCondLst>
                                             <p:cond delay="0"/>
                                           </p:stCondLst>
@@ -28183,14 +28116,14 @@
                                 </p:cTn>
                               </p:par>
                               <p:par>
-                                <p:cTn id="47" presetID="1" presetClass="entr" presetSubtype="0" fill="hold" grpId="0" nodeType="withEffect">
+                                <p:cTn id="45" presetID="1" presetClass="entr" presetSubtype="0" fill="hold" grpId="0" nodeType="withEffect">
                                   <p:stCondLst>
                                     <p:cond delay="0"/>
                                   </p:stCondLst>
                                   <p:childTnLst>
                                     <p:set>
                                       <p:cBhvr>
-                                        <p:cTn id="48" dur="1" fill="hold">
+                                        <p:cTn id="46" dur="1" fill="hold">
                                           <p:stCondLst>
                                             <p:cond delay="0"/>
                                           </p:stCondLst>
@@ -28216,19 +28149,46 @@
                     </p:cTn>
                   </p:par>
                   <p:par>
-                    <p:cTn id="49" fill="hold">
+                    <p:cTn id="47" fill="hold">
                       <p:stCondLst>
                         <p:cond delay="indefinite"/>
                       </p:stCondLst>
                       <p:childTnLst>
                         <p:par>
-                          <p:cTn id="50" fill="hold">
+                          <p:cTn id="48" fill="hold">
                             <p:stCondLst>
                               <p:cond delay="0"/>
                             </p:stCondLst>
                             <p:childTnLst>
                               <p:par>
-                                <p:cTn id="51" presetID="1" presetClass="entr" presetSubtype="0" fill="hold" nodeType="clickEffect">
+                                <p:cTn id="49" presetID="1" presetClass="entr" presetSubtype="0" fill="hold" nodeType="clickEffect">
+                                  <p:stCondLst>
+                                    <p:cond delay="0"/>
+                                  </p:stCondLst>
+                                  <p:childTnLst>
+                                    <p:set>
+                                      <p:cBhvr>
+                                        <p:cTn id="50" dur="1" fill="hold">
+                                          <p:stCondLst>
+                                            <p:cond delay="0"/>
+                                          </p:stCondLst>
+                                        </p:cTn>
+                                        <p:tgtEl>
+                                          <p:spTgt spid="35"/>
+                                        </p:tgtEl>
+                                        <p:attrNameLst>
+                                          <p:attrName>style.visibility</p:attrName>
+                                        </p:attrNameLst>
+                                      </p:cBhvr>
+                                      <p:to>
+                                        <p:strVal val="visible"/>
+                                      </p:to>
+                                    </p:set>
+                                  </p:childTnLst>
+                                </p:cTn>
+                              </p:par>
+                              <p:par>
+                                <p:cTn id="51" presetID="1" presetClass="entr" presetSubtype="0" fill="hold" grpId="0" nodeType="withEffect">
                                   <p:stCondLst>
                                     <p:cond delay="0"/>
                                   </p:stCondLst>
@@ -28241,7 +28201,7 @@
                                           </p:stCondLst>
                                         </p:cTn>
                                         <p:tgtEl>
-                                          <p:spTgt spid="35"/>
+                                          <p:spTgt spid="54"/>
                                         </p:tgtEl>
                                         <p:attrNameLst>
                                           <p:attrName>style.visibility</p:attrName>
@@ -28268,33 +28228,6 @@
                                           </p:stCondLst>
                                         </p:cTn>
                                         <p:tgtEl>
-                                          <p:spTgt spid="54"/>
-                                        </p:tgtEl>
-                                        <p:attrNameLst>
-                                          <p:attrName>style.visibility</p:attrName>
-                                        </p:attrNameLst>
-                                      </p:cBhvr>
-                                      <p:to>
-                                        <p:strVal val="visible"/>
-                                      </p:to>
-                                    </p:set>
-                                  </p:childTnLst>
-                                </p:cTn>
-                              </p:par>
-                              <p:par>
-                                <p:cTn id="55" presetID="1" presetClass="entr" presetSubtype="0" fill="hold" grpId="0" nodeType="withEffect">
-                                  <p:stCondLst>
-                                    <p:cond delay="0"/>
-                                  </p:stCondLst>
-                                  <p:childTnLst>
-                                    <p:set>
-                                      <p:cBhvr>
-                                        <p:cTn id="56" dur="1" fill="hold">
-                                          <p:stCondLst>
-                                            <p:cond delay="0"/>
-                                          </p:stCondLst>
-                                        </p:cTn>
-                                        <p:tgtEl>
                                           <p:spTgt spid="29"/>
                                         </p:tgtEl>
                                         <p:attrNameLst>
@@ -28309,14 +28242,14 @@
                                 </p:cTn>
                               </p:par>
                               <p:par>
-                                <p:cTn id="57" presetID="1" presetClass="entr" presetSubtype="0" fill="hold" nodeType="withEffect">
+                                <p:cTn id="55" presetID="1" presetClass="entr" presetSubtype="0" fill="hold" nodeType="withEffect">
                                   <p:stCondLst>
                                     <p:cond delay="0"/>
                                   </p:stCondLst>
                                   <p:childTnLst>
                                     <p:set>
                                       <p:cBhvr>
-                                        <p:cTn id="58" dur="1" fill="hold">
+                                        <p:cTn id="56" dur="1" fill="hold">
                                           <p:stCondLst>
                                             <p:cond delay="0"/>
                                           </p:stCondLst>
